--- a/边缘计算.pptx
+++ b/边缘计算.pptx
@@ -5,7 +5,7 @@
     <p:sldMasterId id="2147483648" r:id="rId1"/>
   </p:sldMasterIdLst>
   <p:notesMasterIdLst>
-    <p:notesMasterId r:id="rId17"/>
+    <p:notesMasterId r:id="rId18"/>
   </p:notesMasterIdLst>
   <p:sldIdLst>
     <p:sldId id="258" r:id="rId2"/>
@@ -21,8 +21,9 @@
     <p:sldId id="327" r:id="rId12"/>
     <p:sldId id="329" r:id="rId13"/>
     <p:sldId id="326" r:id="rId14"/>
-    <p:sldId id="331" r:id="rId15"/>
-    <p:sldId id="260" r:id="rId16"/>
+    <p:sldId id="332" r:id="rId15"/>
+    <p:sldId id="331" r:id="rId16"/>
+    <p:sldId id="260" r:id="rId17"/>
   </p:sldIdLst>
   <p:sldSz cx="12192000" cy="6858000"/>
   <p:notesSz cx="6858000" cy="9144000"/>
@@ -139,6 +140,7 @@
             <p14:sldId id="327"/>
             <p14:sldId id="329"/>
             <p14:sldId id="326"/>
+            <p14:sldId id="332"/>
             <p14:sldId id="331"/>
             <p14:sldId id="260"/>
           </p14:sldIdLst>
@@ -234,7 +236,7 @@
           <a:p>
             <a:fld id="{00925CAF-0B68-4C76-B040-CDD4B51FD1F1}" type="datetimeFigureOut">
               <a:rPr lang="zh-CN" altLang="en-US" smtClean="0"/>
-              <a:t>2020/9/29</a:t>
+              <a:t>2020/10/18</a:t>
             </a:fld>
             <a:endParaRPr lang="zh-CN" altLang="en-US"/>
           </a:p>
@@ -631,9 +633,36 @@
           <a:lstStyle/>
           <a:p>
             <a:r>
+              <a:rPr lang="zh-CN" altLang="en-US" sz="1200" b="0" i="0" kern="1200" dirty="0" smtClean="0">
+                <a:solidFill>
+                  <a:schemeClr val="tx1"/>
+                </a:solidFill>
+                <a:effectLst/>
+                <a:latin typeface="+mn-lt"/>
+                <a:ea typeface="+mn-ea"/>
+                <a:cs typeface="+mn-cs"/>
+              </a:rPr>
+              <a:t>边缘计算产业价值</a:t>
+            </a:r>
+            <a:r>
+              <a:rPr lang="en-US" altLang="zh-CN" sz="1200" b="0" i="0" kern="1200" dirty="0" smtClean="0">
+                <a:solidFill>
+                  <a:schemeClr val="tx1"/>
+                </a:solidFill>
+                <a:effectLst/>
+                <a:latin typeface="+mn-lt"/>
+                <a:ea typeface="+mn-ea"/>
+                <a:cs typeface="+mn-cs"/>
+              </a:rPr>
+              <a:t>CROSS</a:t>
+            </a:r>
+            <a:r>
               <a:rPr lang="zh-CN" altLang="en-US" dirty="0" smtClean="0"/>
-              <a:t>范围太广</a:t>
-            </a:r>
+              <a:t> </a:t>
+            </a:r>
+            <a:br>
+              <a:rPr lang="zh-CN" altLang="en-US" dirty="0" smtClean="0"/>
+            </a:br>
             <a:endParaRPr lang="zh-CN" altLang="en-US" dirty="0"/>
           </a:p>
         </p:txBody>
@@ -4285,7 +4314,7 @@
                 <a:latin typeface="黑体" panose="02010609060101010101" pitchFamily="49" charset="-122"/>
                 <a:ea typeface="黑体" panose="02010609060101010101" pitchFamily="49" charset="-122"/>
               </a:rPr>
-              <a:t>物联网边缘计算</a:t>
+              <a:t>边缘计算与智能制造</a:t>
             </a:r>
             <a:endParaRPr lang="zh-CN" altLang="en-US" sz="4000" dirty="0">
               <a:solidFill>
@@ -4410,7 +4439,7 @@
                 <a:latin typeface="黑体" panose="02010609060101010101" pitchFamily="49" charset="-122"/>
                 <a:ea typeface="黑体" panose="02010609060101010101" pitchFamily="49" charset="-122"/>
               </a:rPr>
-              <a:t>物联网边缘计算</a:t>
+              <a:t>边缘计算与智能制造</a:t>
             </a:r>
             <a:endParaRPr lang="zh-CN" altLang="en-US" sz="2400" dirty="0">
               <a:solidFill>
@@ -4917,7 +4946,17 @@
                 <a:latin typeface="黑体" panose="02010609060101010101" pitchFamily="49" charset="-122"/>
                 <a:ea typeface="黑体" panose="02010609060101010101" pitchFamily="49" charset="-122"/>
               </a:rPr>
-              <a:t>边缘计算能力集</a:t>
+              <a:t>边缘</a:t>
+            </a:r>
+            <a:r>
+              <a:rPr lang="zh-CN" altLang="en-US" sz="4000" dirty="0" smtClean="0">
+                <a:solidFill>
+                  <a:schemeClr val="bg1"/>
+                </a:solidFill>
+                <a:latin typeface="黑体" panose="02010609060101010101" pitchFamily="49" charset="-122"/>
+                <a:ea typeface="黑体" panose="02010609060101010101" pitchFamily="49" charset="-122"/>
+              </a:rPr>
+              <a:t>计算平台</a:t>
             </a:r>
             <a:endParaRPr lang="zh-CN" altLang="en-US" sz="4000" dirty="0">
               <a:solidFill>
@@ -5292,6 +5331,301 @@
             <a:fld id="{39CA78E4-F434-4116-A7EE-5A6838CB0D53}" type="slidenum">
               <a:rPr lang="zh-CN" altLang="en-US" smtClean="0"/>
               <a:t>14</a:t>
+            </a:fld>
+            <a:endParaRPr lang="zh-CN" altLang="en-US"/>
+          </a:p>
+        </p:txBody>
+      </p:sp>
+      <p:sp>
+        <p:nvSpPr>
+          <p:cNvPr id="5" name="文本框 4"/>
+          <p:cNvSpPr txBox="1"/>
+          <p:nvPr/>
+        </p:nvSpPr>
+        <p:spPr>
+          <a:xfrm>
+            <a:off x="505689" y="270738"/>
+            <a:ext cx="4518893" cy="461665"/>
+          </a:xfrm>
+          <a:prstGeom prst="rect">
+            <a:avLst/>
+          </a:prstGeom>
+          <a:noFill/>
+        </p:spPr>
+        <p:txBody>
+          <a:bodyPr wrap="square" rtlCol="0">
+            <a:spAutoFit/>
+          </a:bodyPr>
+          <a:lstStyle/>
+          <a:p>
+            <a:r>
+              <a:rPr lang="zh-CN" altLang="en-US" sz="2400" dirty="0" smtClean="0">
+                <a:solidFill>
+                  <a:srgbClr val="2EBA7C"/>
+                </a:solidFill>
+                <a:latin typeface="黑体" panose="02010609060101010101" pitchFamily="49" charset="-122"/>
+                <a:ea typeface="黑体" panose="02010609060101010101" pitchFamily="49" charset="-122"/>
+              </a:rPr>
+              <a:t>边缘</a:t>
+            </a:r>
+            <a:r>
+              <a:rPr lang="zh-CN" altLang="en-US" sz="2400" dirty="0" smtClean="0">
+                <a:solidFill>
+                  <a:srgbClr val="2EBA7C"/>
+                </a:solidFill>
+                <a:latin typeface="黑体" panose="02010609060101010101" pitchFamily="49" charset="-122"/>
+                <a:ea typeface="黑体" panose="02010609060101010101" pitchFamily="49" charset="-122"/>
+              </a:rPr>
+              <a:t>计算平台</a:t>
+            </a:r>
+            <a:endParaRPr lang="zh-CN" altLang="en-US" sz="2400" dirty="0">
+              <a:solidFill>
+                <a:srgbClr val="2EBA7C"/>
+              </a:solidFill>
+              <a:latin typeface="黑体" panose="02010609060101010101" pitchFamily="49" charset="-122"/>
+              <a:ea typeface="黑体" panose="02010609060101010101" pitchFamily="49" charset="-122"/>
+            </a:endParaRPr>
+          </a:p>
+        </p:txBody>
+      </p:sp>
+      <p:sp>
+        <p:nvSpPr>
+          <p:cNvPr id="6" name="文本框 5"/>
+          <p:cNvSpPr txBox="1"/>
+          <p:nvPr/>
+        </p:nvSpPr>
+        <p:spPr>
+          <a:xfrm>
+            <a:off x="1117600" y="1330036"/>
+            <a:ext cx="1107996" cy="369332"/>
+          </a:xfrm>
+          <a:prstGeom prst="rect">
+            <a:avLst/>
+          </a:prstGeom>
+          <a:noFill/>
+        </p:spPr>
+        <p:txBody>
+          <a:bodyPr wrap="none" rtlCol="0">
+            <a:spAutoFit/>
+          </a:bodyPr>
+          <a:lstStyle/>
+          <a:p>
+            <a:r>
+              <a:rPr lang="zh-CN" altLang="en-US" dirty="0" smtClean="0">
+                <a:solidFill>
+                  <a:schemeClr val="bg1"/>
+                </a:solidFill>
+              </a:rPr>
+              <a:t>异构计算</a:t>
+            </a:r>
+            <a:endParaRPr lang="zh-CN" altLang="en-US" dirty="0">
+              <a:solidFill>
+                <a:schemeClr val="bg1"/>
+              </a:solidFill>
+            </a:endParaRPr>
+          </a:p>
+        </p:txBody>
+      </p:sp>
+      <p:sp>
+        <p:nvSpPr>
+          <p:cNvPr id="7" name="文本框 6"/>
+          <p:cNvSpPr txBox="1"/>
+          <p:nvPr/>
+        </p:nvSpPr>
+        <p:spPr>
+          <a:xfrm>
+            <a:off x="1117600" y="1927669"/>
+            <a:ext cx="1107996" cy="369332"/>
+          </a:xfrm>
+          <a:prstGeom prst="rect">
+            <a:avLst/>
+          </a:prstGeom>
+          <a:noFill/>
+        </p:spPr>
+        <p:txBody>
+          <a:bodyPr wrap="none" rtlCol="0">
+            <a:spAutoFit/>
+          </a:bodyPr>
+          <a:lstStyle/>
+          <a:p>
+            <a:r>
+              <a:rPr lang="zh-CN" altLang="en-US" dirty="0" smtClean="0">
+                <a:solidFill>
+                  <a:schemeClr val="bg1"/>
+                </a:solidFill>
+              </a:rPr>
+              <a:t>边缘智能</a:t>
+            </a:r>
+            <a:endParaRPr lang="zh-CN" altLang="en-US" dirty="0">
+              <a:solidFill>
+                <a:schemeClr val="bg1"/>
+              </a:solidFill>
+            </a:endParaRPr>
+          </a:p>
+        </p:txBody>
+      </p:sp>
+      <p:sp>
+        <p:nvSpPr>
+          <p:cNvPr id="8" name="文本框 7"/>
+          <p:cNvSpPr txBox="1"/>
+          <p:nvPr/>
+        </p:nvSpPr>
+        <p:spPr>
+          <a:xfrm>
+            <a:off x="1181887" y="2680433"/>
+            <a:ext cx="1107996" cy="369332"/>
+          </a:xfrm>
+          <a:prstGeom prst="rect">
+            <a:avLst/>
+          </a:prstGeom>
+          <a:noFill/>
+        </p:spPr>
+        <p:txBody>
+          <a:bodyPr wrap="none" rtlCol="0">
+            <a:spAutoFit/>
+          </a:bodyPr>
+          <a:lstStyle/>
+          <a:p>
+            <a:r>
+              <a:rPr lang="zh-CN" altLang="en-US" dirty="0" smtClean="0">
+                <a:solidFill>
+                  <a:schemeClr val="bg1"/>
+                </a:solidFill>
+              </a:rPr>
+              <a:t>边缘协同</a:t>
+            </a:r>
+            <a:endParaRPr lang="zh-CN" altLang="en-US" dirty="0">
+              <a:solidFill>
+                <a:schemeClr val="bg1"/>
+              </a:solidFill>
+            </a:endParaRPr>
+          </a:p>
+        </p:txBody>
+      </p:sp>
+      <p:sp>
+        <p:nvSpPr>
+          <p:cNvPr id="9" name="文本框 8"/>
+          <p:cNvSpPr txBox="1"/>
+          <p:nvPr/>
+        </p:nvSpPr>
+        <p:spPr>
+          <a:xfrm>
+            <a:off x="1181887" y="3359710"/>
+            <a:ext cx="1486304" cy="369332"/>
+          </a:xfrm>
+          <a:prstGeom prst="rect">
+            <a:avLst/>
+          </a:prstGeom>
+          <a:noFill/>
+        </p:spPr>
+        <p:txBody>
+          <a:bodyPr wrap="none" rtlCol="0">
+            <a:spAutoFit/>
+          </a:bodyPr>
+          <a:lstStyle/>
+          <a:p>
+            <a:r>
+              <a:rPr lang="en-US" altLang="zh-CN" dirty="0" smtClean="0">
+                <a:solidFill>
+                  <a:schemeClr val="bg1"/>
+                </a:solidFill>
+              </a:rPr>
+              <a:t>5G+</a:t>
+            </a:r>
+            <a:r>
+              <a:rPr lang="zh-CN" altLang="en-US" dirty="0" smtClean="0">
+                <a:solidFill>
+                  <a:schemeClr val="bg1"/>
+                </a:solidFill>
+              </a:rPr>
+              <a:t>边缘计算</a:t>
+            </a:r>
+            <a:endParaRPr lang="zh-CN" altLang="en-US" dirty="0">
+              <a:solidFill>
+                <a:schemeClr val="bg1"/>
+              </a:solidFill>
+            </a:endParaRPr>
+          </a:p>
+        </p:txBody>
+      </p:sp>
+    </p:spTree>
+    <p:extLst>
+      <p:ext uri="{BB962C8B-B14F-4D97-AF65-F5344CB8AC3E}">
+        <p14:creationId xmlns:p14="http://schemas.microsoft.com/office/powerpoint/2010/main" val="2275398193"/>
+      </p:ext>
+    </p:extLst>
+  </p:cSld>
+  <p:clrMapOvr>
+    <a:masterClrMapping/>
+  </p:clrMapOvr>
+  <p:timing>
+    <p:tnLst>
+      <p:par>
+        <p:cTn id="1" dur="indefinite" restart="never" nodeType="tmRoot"/>
+      </p:par>
+    </p:tnLst>
+  </p:timing>
+</p:sld>
+</file>
+
+<file path=ppt/slides/slide15.xml><?xml version="1.0" encoding="utf-8"?>
+<p:sld xmlns:a="http://schemas.openxmlformats.org/drawingml/2006/main" xmlns:r="http://schemas.openxmlformats.org/officeDocument/2006/relationships" xmlns:p="http://schemas.openxmlformats.org/presentationml/2006/main">
+  <p:cSld>
+    <p:spTree>
+      <p:nvGrpSpPr>
+        <p:cNvPr id="1" name=""/>
+        <p:cNvGrpSpPr/>
+        <p:nvPr/>
+      </p:nvGrpSpPr>
+      <p:grpSpPr>
+        <a:xfrm>
+          <a:off x="0" y="0"/>
+          <a:ext cx="0" cy="0"/>
+          <a:chOff x="0" y="0"/>
+          <a:chExt cx="0" cy="0"/>
+        </a:xfrm>
+      </p:grpSpPr>
+      <p:sp>
+        <p:nvSpPr>
+          <p:cNvPr id="2" name="页脚占位符 1"/>
+          <p:cNvSpPr>
+            <a:spLocks noGrp="1"/>
+          </p:cNvSpPr>
+          <p:nvPr>
+            <p:ph type="ftr" sz="quarter" idx="11"/>
+          </p:nvPr>
+        </p:nvSpPr>
+        <p:spPr/>
+        <p:txBody>
+          <a:bodyPr/>
+          <a:lstStyle/>
+          <a:p>
+            <a:r>
+              <a:rPr lang="en-US" altLang="zh-CN" smtClean="0"/>
+              <a:t>Confidential in BGI,shall not be spread if not be privileged</a:t>
+            </a:r>
+            <a:endParaRPr lang="zh-CN" altLang="en-US"/>
+          </a:p>
+        </p:txBody>
+      </p:sp>
+      <p:sp>
+        <p:nvSpPr>
+          <p:cNvPr id="3" name="灯片编号占位符 2"/>
+          <p:cNvSpPr>
+            <a:spLocks noGrp="1"/>
+          </p:cNvSpPr>
+          <p:nvPr>
+            <p:ph type="sldNum" sz="quarter" idx="12"/>
+          </p:nvPr>
+        </p:nvSpPr>
+        <p:spPr/>
+        <p:txBody>
+          <a:bodyPr/>
+          <a:lstStyle/>
+          <a:p>
+            <a:fld id="{39CA78E4-F434-4116-A7EE-5A6838CB0D53}" type="slidenum">
+              <a:rPr lang="zh-CN" altLang="en-US" smtClean="0"/>
+              <a:t>15</a:t>
             </a:fld>
             <a:endParaRPr lang="zh-CN" altLang="en-US"/>
           </a:p>
@@ -5479,17 +5813,7 @@
                 <a:latin typeface="黑体" panose="02010609060101010101" pitchFamily="49" charset="-122"/>
                 <a:ea typeface="黑体" panose="02010609060101010101" pitchFamily="49" charset="-122"/>
               </a:rPr>
-              <a:t>EdgeXFoundry</a:t>
-            </a:r>
-            <a:r>
-              <a:rPr lang="zh-CN" altLang="en-US" sz="4000" dirty="0" smtClean="0">
-                <a:solidFill>
-                  <a:schemeClr val="bg1"/>
-                </a:solidFill>
-                <a:latin typeface="黑体" panose="02010609060101010101" pitchFamily="49" charset="-122"/>
-                <a:ea typeface="黑体" panose="02010609060101010101" pitchFamily="49" charset="-122"/>
-              </a:rPr>
-              <a:t>介绍</a:t>
+              <a:t>EdgeX Foundry</a:t>
             </a:r>
             <a:endParaRPr lang="zh-CN" altLang="en-US" sz="4000" dirty="0">
               <a:solidFill>
@@ -5521,7 +5845,7 @@
 </p:sld>
 </file>
 
-<file path=ppt/slides/slide15.xml><?xml version="1.0" encoding="utf-8"?>
+<file path=ppt/slides/slide16.xml><?xml version="1.0" encoding="utf-8"?>
 <p:sld xmlns:a="http://schemas.openxmlformats.org/drawingml/2006/main" xmlns:r="http://schemas.openxmlformats.org/officeDocument/2006/relationships" xmlns:p="http://schemas.openxmlformats.org/presentationml/2006/main">
   <p:cSld>
     <p:bg>
@@ -5586,7 +5910,7 @@
           <a:p>
             <a:fld id="{39CA78E4-F434-4116-A7EE-5A6838CB0D53}" type="slidenum">
               <a:rPr lang="zh-CN" altLang="en-US" smtClean="0"/>
-              <a:t>15</a:t>
+              <a:t>16</a:t>
             </a:fld>
             <a:endParaRPr lang="zh-CN" altLang="en-US"/>
           </a:p>
@@ -6858,8 +7182,8 @@
         </p:nvSpPr>
         <p:spPr>
           <a:xfrm>
-            <a:off x="4962235" y="1868438"/>
-            <a:ext cx="6567055" cy="3816429"/>
+            <a:off x="4754879" y="1868438"/>
+            <a:ext cx="6774411" cy="4231928"/>
           </a:xfrm>
           <a:prstGeom prst="rect">
             <a:avLst/>
@@ -6953,7 +7277,7 @@
                 <a:latin typeface="黑体" panose="02010609060101010101" pitchFamily="49" charset="-122"/>
                 <a:ea typeface="黑体" panose="02010609060101010101" pitchFamily="49" charset="-122"/>
               </a:rPr>
-              <a:t>边缘智能服务，满足行业数字化在敏捷联接、实时业务</a:t>
+              <a:t>边缘智能服务，满足行业数字化在敏捷</a:t>
             </a:r>
             <a:r>
               <a:rPr lang="zh-CN" altLang="en-US" dirty="0" smtClean="0">
@@ -6963,17 +7287,237 @@
                 <a:latin typeface="黑体" panose="02010609060101010101" pitchFamily="49" charset="-122"/>
                 <a:ea typeface="黑体" panose="02010609060101010101" pitchFamily="49" charset="-122"/>
               </a:rPr>
-              <a:t>、数据</a:t>
-            </a:r>
-            <a:r>
-              <a:rPr lang="zh-CN" altLang="en-US" dirty="0">
+              <a:t>联接</a:t>
+            </a:r>
+            <a:r>
+              <a:rPr lang="en-US" altLang="zh-CN" dirty="0">
                 <a:solidFill>
                   <a:schemeClr val="bg1"/>
                 </a:solidFill>
                 <a:latin typeface="黑体" panose="02010609060101010101" pitchFamily="49" charset="-122"/>
                 <a:ea typeface="黑体" panose="02010609060101010101" pitchFamily="49" charset="-122"/>
               </a:rPr>
-              <a:t>优化、应用智能、安全与隐私保护等方面的关键需求</a:t>
+              <a:t>(Connection</a:t>
+            </a:r>
+            <a:r>
+              <a:rPr lang="en-US" altLang="zh-CN" dirty="0" smtClean="0">
+                <a:solidFill>
+                  <a:schemeClr val="bg1"/>
+                </a:solidFill>
+                <a:latin typeface="黑体" panose="02010609060101010101" pitchFamily="49" charset="-122"/>
+                <a:ea typeface="黑体" panose="02010609060101010101" pitchFamily="49" charset="-122"/>
+              </a:rPr>
+              <a:t>)</a:t>
+            </a:r>
+            <a:r>
+              <a:rPr lang="zh-CN" altLang="en-US" dirty="0" smtClean="0">
+                <a:solidFill>
+                  <a:schemeClr val="bg1"/>
+                </a:solidFill>
+                <a:latin typeface="黑体" panose="02010609060101010101" pitchFamily="49" charset="-122"/>
+                <a:ea typeface="黑体" panose="02010609060101010101" pitchFamily="49" charset="-122"/>
+              </a:rPr>
+              <a:t>基础上，实现</a:t>
+            </a:r>
+            <a:r>
+              <a:rPr lang="zh-CN" altLang="en-US" dirty="0" smtClean="0">
+                <a:solidFill>
+                  <a:schemeClr val="bg1"/>
+                </a:solidFill>
+                <a:latin typeface="黑体" panose="02010609060101010101" pitchFamily="49" charset="-122"/>
+                <a:ea typeface="黑体" panose="02010609060101010101" pitchFamily="49" charset="-122"/>
+              </a:rPr>
+              <a:t>实时业务</a:t>
+            </a:r>
+            <a:r>
+              <a:rPr lang="en-US" altLang="zh-CN" dirty="0">
+                <a:solidFill>
+                  <a:schemeClr val="bg1"/>
+                </a:solidFill>
+                <a:latin typeface="黑体" panose="02010609060101010101" pitchFamily="49" charset="-122"/>
+                <a:ea typeface="黑体" panose="02010609060101010101" pitchFamily="49" charset="-122"/>
+              </a:rPr>
+              <a:t>(Real-time)</a:t>
+            </a:r>
+            <a:r>
+              <a:rPr lang="zh-CN" altLang="en-US" dirty="0" smtClean="0">
+                <a:solidFill>
+                  <a:schemeClr val="bg1"/>
+                </a:solidFill>
+                <a:latin typeface="黑体" panose="02010609060101010101" pitchFamily="49" charset="-122"/>
+                <a:ea typeface="黑体" panose="02010609060101010101" pitchFamily="49" charset="-122"/>
+              </a:rPr>
+              <a:t>、</a:t>
+            </a:r>
+            <a:r>
+              <a:rPr lang="zh-CN" altLang="en-US" dirty="0" smtClean="0">
+                <a:solidFill>
+                  <a:schemeClr val="bg1"/>
+                </a:solidFill>
+                <a:latin typeface="黑体" panose="02010609060101010101" pitchFamily="49" charset="-122"/>
+                <a:ea typeface="黑体" panose="02010609060101010101" pitchFamily="49" charset="-122"/>
+              </a:rPr>
+              <a:t>数据</a:t>
+            </a:r>
+            <a:r>
+              <a:rPr lang="zh-CN" altLang="en-US" dirty="0" smtClean="0">
+                <a:solidFill>
+                  <a:schemeClr val="bg1"/>
+                </a:solidFill>
+                <a:latin typeface="黑体" panose="02010609060101010101" pitchFamily="49" charset="-122"/>
+                <a:ea typeface="黑体" panose="02010609060101010101" pitchFamily="49" charset="-122"/>
+              </a:rPr>
+              <a:t>优化</a:t>
+            </a:r>
+            <a:r>
+              <a:rPr lang="en-US" altLang="zh-CN" dirty="0">
+                <a:solidFill>
+                  <a:schemeClr val="bg1"/>
+                </a:solidFill>
+                <a:latin typeface="黑体" panose="02010609060101010101" pitchFamily="49" charset="-122"/>
+                <a:ea typeface="黑体" panose="02010609060101010101" pitchFamily="49" charset="-122"/>
+              </a:rPr>
+              <a:t>(</a:t>
+            </a:r>
+            <a:r>
+              <a:rPr lang="en-US" altLang="zh-CN" dirty="0" smtClean="0">
+                <a:solidFill>
+                  <a:schemeClr val="bg1"/>
+                </a:solidFill>
+                <a:latin typeface="黑体" panose="02010609060101010101" pitchFamily="49" charset="-122"/>
+                <a:ea typeface="黑体" panose="02010609060101010101" pitchFamily="49" charset="-122"/>
+              </a:rPr>
+              <a:t>Data Optimization</a:t>
+            </a:r>
+            <a:r>
+              <a:rPr lang="en-US" altLang="zh-CN" dirty="0">
+                <a:solidFill>
+                  <a:schemeClr val="bg1"/>
+                </a:solidFill>
+                <a:latin typeface="黑体" panose="02010609060101010101" pitchFamily="49" charset="-122"/>
+                <a:ea typeface="黑体" panose="02010609060101010101" pitchFamily="49" charset="-122"/>
+              </a:rPr>
+              <a:t>)</a:t>
+            </a:r>
+            <a:r>
+              <a:rPr lang="zh-CN" altLang="en-US" dirty="0" smtClean="0">
+                <a:solidFill>
+                  <a:schemeClr val="bg1"/>
+                </a:solidFill>
+                <a:latin typeface="黑体" panose="02010609060101010101" pitchFamily="49" charset="-122"/>
+                <a:ea typeface="黑体" panose="02010609060101010101" pitchFamily="49" charset="-122"/>
+              </a:rPr>
+              <a:t>、</a:t>
+            </a:r>
+            <a:r>
+              <a:rPr lang="zh-CN" altLang="en-US" dirty="0">
+                <a:solidFill>
+                  <a:schemeClr val="bg1"/>
+                </a:solidFill>
+                <a:latin typeface="黑体" panose="02010609060101010101" pitchFamily="49" charset="-122"/>
+                <a:ea typeface="黑体" panose="02010609060101010101" pitchFamily="49" charset="-122"/>
+              </a:rPr>
+              <a:t>应用</a:t>
+            </a:r>
+            <a:r>
+              <a:rPr lang="zh-CN" altLang="en-US" dirty="0" smtClean="0">
+                <a:solidFill>
+                  <a:schemeClr val="bg1"/>
+                </a:solidFill>
+                <a:latin typeface="黑体" panose="02010609060101010101" pitchFamily="49" charset="-122"/>
+                <a:ea typeface="黑体" panose="02010609060101010101" pitchFamily="49" charset="-122"/>
+              </a:rPr>
+              <a:t>智能</a:t>
+            </a:r>
+            <a:r>
+              <a:rPr lang="en-US" altLang="zh-CN" dirty="0">
+                <a:solidFill>
+                  <a:schemeClr val="bg1"/>
+                </a:solidFill>
+                <a:latin typeface="黑体" panose="02010609060101010101" pitchFamily="49" charset="-122"/>
+                <a:ea typeface="黑体" panose="02010609060101010101" pitchFamily="49" charset="-122"/>
+              </a:rPr>
+              <a:t>(Smart)</a:t>
+            </a:r>
+            <a:r>
+              <a:rPr lang="zh-CN" altLang="en-US" dirty="0" smtClean="0">
+                <a:solidFill>
+                  <a:schemeClr val="bg1"/>
+                </a:solidFill>
+                <a:latin typeface="黑体" panose="02010609060101010101" pitchFamily="49" charset="-122"/>
+                <a:ea typeface="黑体" panose="02010609060101010101" pitchFamily="49" charset="-122"/>
+              </a:rPr>
+              <a:t>、</a:t>
+            </a:r>
+            <a:r>
+              <a:rPr lang="zh-CN" altLang="en-US" dirty="0">
+                <a:solidFill>
+                  <a:schemeClr val="bg1"/>
+                </a:solidFill>
+                <a:latin typeface="黑体" panose="02010609060101010101" pitchFamily="49" charset="-122"/>
+                <a:ea typeface="黑体" panose="02010609060101010101" pitchFamily="49" charset="-122"/>
+              </a:rPr>
+              <a:t>安全与</a:t>
+            </a:r>
+            <a:r>
+              <a:rPr lang="zh-CN" altLang="en-US" dirty="0" smtClean="0">
+                <a:solidFill>
+                  <a:schemeClr val="bg1"/>
+                </a:solidFill>
+                <a:latin typeface="黑体" panose="02010609060101010101" pitchFamily="49" charset="-122"/>
+                <a:ea typeface="黑体" panose="02010609060101010101" pitchFamily="49" charset="-122"/>
+              </a:rPr>
+              <a:t>隐私保护</a:t>
+            </a:r>
+            <a:r>
+              <a:rPr lang="en-US" altLang="zh-CN" dirty="0">
+                <a:solidFill>
+                  <a:schemeClr val="bg1"/>
+                </a:solidFill>
+                <a:latin typeface="黑体" panose="02010609060101010101" pitchFamily="49" charset="-122"/>
+                <a:ea typeface="黑体" panose="02010609060101010101" pitchFamily="49" charset="-122"/>
+              </a:rPr>
+              <a:t>(</a:t>
+            </a:r>
+            <a:r>
+              <a:rPr lang="en-US" altLang="zh-CN" dirty="0" smtClean="0">
+                <a:solidFill>
+                  <a:schemeClr val="bg1"/>
+                </a:solidFill>
+                <a:latin typeface="黑体" panose="02010609060101010101" pitchFamily="49" charset="-122"/>
+                <a:ea typeface="黑体" panose="02010609060101010101" pitchFamily="49" charset="-122"/>
+              </a:rPr>
+              <a:t>Security)</a:t>
+            </a:r>
+            <a:r>
+              <a:rPr lang="zh-CN" altLang="en-US" dirty="0" smtClean="0">
+                <a:solidFill>
+                  <a:schemeClr val="bg1"/>
+                </a:solidFill>
+                <a:latin typeface="黑体" panose="02010609060101010101" pitchFamily="49" charset="-122"/>
+                <a:ea typeface="黑体" panose="02010609060101010101" pitchFamily="49" charset="-122"/>
+              </a:rPr>
+              <a:t>等</a:t>
+            </a:r>
+            <a:r>
+              <a:rPr lang="zh-CN" altLang="en-US" dirty="0" smtClean="0">
+                <a:solidFill>
+                  <a:schemeClr val="bg1"/>
+                </a:solidFill>
+                <a:latin typeface="黑体" panose="02010609060101010101" pitchFamily="49" charset="-122"/>
+                <a:ea typeface="黑体" panose="02010609060101010101" pitchFamily="49" charset="-122"/>
+              </a:rPr>
+              <a:t>方面</a:t>
+            </a:r>
+            <a:r>
+              <a:rPr lang="zh-CN" altLang="en-US" dirty="0">
+                <a:solidFill>
+                  <a:schemeClr val="bg1"/>
+                </a:solidFill>
+                <a:latin typeface="黑体" panose="02010609060101010101" pitchFamily="49" charset="-122"/>
+                <a:ea typeface="黑体" panose="02010609060101010101" pitchFamily="49" charset="-122"/>
+              </a:rPr>
+              <a:t>的关键需求</a:t>
             </a:r>
             <a:r>
               <a:rPr lang="zh-CN" altLang="en-US" dirty="0" smtClean="0">
@@ -7027,17 +7571,7 @@
                 <a:latin typeface="黑体" panose="02010609060101010101" pitchFamily="49" charset="-122"/>
                 <a:ea typeface="黑体" panose="02010609060101010101" pitchFamily="49" charset="-122"/>
               </a:rPr>
-              <a:t>70</a:t>
-            </a:r>
-            <a:r>
-              <a:rPr lang="en-US" altLang="zh-CN" sz="2400" dirty="0">
-                <a:solidFill>
-                  <a:schemeClr val="bg1"/>
-                </a:solidFill>
-                <a:latin typeface="黑体" panose="02010609060101010101" pitchFamily="49" charset="-122"/>
-                <a:ea typeface="黑体" panose="02010609060101010101" pitchFamily="49" charset="-122"/>
-              </a:rPr>
-              <a:t>%</a:t>
+              <a:t>70%</a:t>
             </a:r>
             <a:r>
               <a:rPr lang="en-US" altLang="zh-CN" dirty="0">
@@ -7268,30 +7802,6 @@
           <a:chExt cx="0" cy="0"/>
         </a:xfrm>
       </p:grpSpPr>
-      <p:pic>
-        <p:nvPicPr>
-          <p:cNvPr id="9" name="图片 8"/>
-          <p:cNvPicPr>
-            <a:picLocks noChangeAspect="1"/>
-          </p:cNvPicPr>
-          <p:nvPr/>
-        </p:nvPicPr>
-        <p:blipFill>
-          <a:blip r:embed="rId2"/>
-          <a:stretch>
-            <a:fillRect/>
-          </a:stretch>
-        </p:blipFill>
-        <p:spPr>
-          <a:xfrm>
-            <a:off x="1797" y="1791856"/>
-            <a:ext cx="12190203" cy="4310934"/>
-          </a:xfrm>
-          <a:prstGeom prst="rect">
-            <a:avLst/>
-          </a:prstGeom>
-        </p:spPr>
-      </p:pic>
       <p:sp>
         <p:nvSpPr>
           <p:cNvPr id="2" name="页脚占位符 1"/>
@@ -7402,59 +7912,14 @@
       </p:sp>
       <p:sp>
         <p:nvSpPr>
-          <p:cNvPr id="10" name="矩形 9"/>
-          <p:cNvSpPr/>
-          <p:nvPr/>
-        </p:nvSpPr>
-        <p:spPr>
-          <a:xfrm>
-            <a:off x="-110836" y="1764145"/>
-            <a:ext cx="12413672" cy="4414982"/>
-          </a:xfrm>
-          <a:prstGeom prst="rect">
-            <a:avLst/>
-          </a:prstGeom>
-          <a:solidFill>
-            <a:srgbClr val="333844">
-              <a:alpha val="24000"/>
-            </a:srgbClr>
-          </a:solidFill>
-        </p:spPr>
-        <p:style>
-          <a:lnRef idx="2">
-            <a:schemeClr val="accent1">
-              <a:shade val="50000"/>
-            </a:schemeClr>
-          </a:lnRef>
-          <a:fillRef idx="1">
-            <a:schemeClr val="accent1"/>
-          </a:fillRef>
-          <a:effectRef idx="0">
-            <a:schemeClr val="accent1"/>
-          </a:effectRef>
-          <a:fontRef idx="minor">
-            <a:schemeClr val="lt1"/>
-          </a:fontRef>
-        </p:style>
-        <p:txBody>
-          <a:bodyPr rtlCol="0" anchor="ctr"/>
-          <a:lstStyle/>
-          <a:p>
-            <a:pPr algn="ctr"/>
-            <a:endParaRPr lang="zh-CN" altLang="en-US"/>
-          </a:p>
-        </p:txBody>
-      </p:sp>
-      <p:sp>
-        <p:nvSpPr>
           <p:cNvPr id="7" name="文本框 6"/>
           <p:cNvSpPr txBox="1"/>
           <p:nvPr/>
         </p:nvSpPr>
         <p:spPr>
           <a:xfrm>
-            <a:off x="392013" y="2077175"/>
-            <a:ext cx="14566808" cy="1754326"/>
+            <a:off x="372962" y="1791425"/>
+            <a:ext cx="11266587" cy="6186309"/>
           </a:xfrm>
           <a:prstGeom prst="rect">
             <a:avLst/>
@@ -7462,7 +7927,7 @@
           <a:noFill/>
         </p:spPr>
         <p:txBody>
-          <a:bodyPr wrap="none" rtlCol="0">
+          <a:bodyPr wrap="square" rtlCol="0">
             <a:spAutoFit/>
           </a:bodyPr>
           <a:lstStyle/>
@@ -7473,7 +7938,549 @@
                   <a:schemeClr val="bg1"/>
                 </a:solidFill>
               </a:rPr>
-              <a:t>边缘计算通常来说是对云计算的补充：</a:t>
+              <a:t>边缘计算通常来说是对云计算的补充，</a:t>
+            </a:r>
+            <a:r>
+              <a:rPr lang="zh-CN" altLang="en-US" dirty="0" smtClean="0">
+                <a:solidFill>
+                  <a:schemeClr val="bg1"/>
+                </a:solidFill>
+              </a:rPr>
+              <a:t>云</a:t>
+            </a:r>
+            <a:r>
+              <a:rPr lang="zh-CN" altLang="en-US" dirty="0">
+                <a:solidFill>
+                  <a:schemeClr val="bg1"/>
+                </a:solidFill>
+              </a:rPr>
+              <a:t>计算服务是一种集中式服务，</a:t>
+            </a:r>
+            <a:r>
+              <a:rPr lang="zh-CN" altLang="en-US" dirty="0" smtClean="0">
+                <a:solidFill>
+                  <a:schemeClr val="bg1"/>
+                </a:solidFill>
+              </a:rPr>
+              <a:t>所有数据</a:t>
+            </a:r>
+            <a:r>
+              <a:rPr lang="zh-CN" altLang="en-US" dirty="0">
+                <a:solidFill>
+                  <a:schemeClr val="bg1"/>
+                </a:solidFill>
+              </a:rPr>
+              <a:t>都通过网络传输到云计算中心进行</a:t>
+            </a:r>
+            <a:r>
+              <a:rPr lang="zh-CN" altLang="en-US" dirty="0" smtClean="0">
+                <a:solidFill>
+                  <a:schemeClr val="bg1"/>
+                </a:solidFill>
+              </a:rPr>
+              <a:t>处理</a:t>
+            </a:r>
+            <a:r>
+              <a:rPr lang="zh-CN" altLang="en-US" dirty="0">
+                <a:solidFill>
+                  <a:schemeClr val="bg1"/>
+                </a:solidFill>
+              </a:rPr>
+              <a:t>。资源的高度集中与整合使得云计算</a:t>
+            </a:r>
+            <a:r>
+              <a:rPr lang="zh-CN" altLang="en-US" dirty="0" smtClean="0">
+                <a:solidFill>
+                  <a:schemeClr val="bg1"/>
+                </a:solidFill>
+              </a:rPr>
+              <a:t>具有</a:t>
+            </a:r>
+            <a:r>
+              <a:rPr lang="zh-CN" altLang="en-US" dirty="0">
+                <a:solidFill>
+                  <a:schemeClr val="bg1"/>
+                </a:solidFill>
+              </a:rPr>
+              <a:t>很高的通用性，然而，面对物联网设备</a:t>
+            </a:r>
+            <a:r>
+              <a:rPr lang="zh-CN" altLang="en-US" dirty="0" smtClean="0">
+                <a:solidFill>
+                  <a:schemeClr val="bg1"/>
+                </a:solidFill>
+              </a:rPr>
+              <a:t>和数据</a:t>
+            </a:r>
+            <a:r>
+              <a:rPr lang="zh-CN" altLang="en-US" dirty="0">
+                <a:solidFill>
+                  <a:schemeClr val="bg1"/>
+                </a:solidFill>
+              </a:rPr>
+              <a:t>的爆发式增长，基于云计算模型的</a:t>
+            </a:r>
+            <a:r>
+              <a:rPr lang="zh-CN" altLang="en-US" dirty="0" smtClean="0">
+                <a:solidFill>
+                  <a:schemeClr val="bg1"/>
+                </a:solidFill>
+              </a:rPr>
+              <a:t>聚合</a:t>
+            </a:r>
+            <a:r>
+              <a:rPr lang="zh-CN" altLang="en-US" dirty="0">
+                <a:solidFill>
+                  <a:schemeClr val="bg1"/>
+                </a:solidFill>
+              </a:rPr>
+              <a:t>性服务逐渐显露出了其在实时性、</a:t>
+            </a:r>
+            <a:r>
+              <a:rPr lang="zh-CN" altLang="en-US" dirty="0" smtClean="0">
+                <a:solidFill>
+                  <a:schemeClr val="bg1"/>
+                </a:solidFill>
+              </a:rPr>
+              <a:t>网络制约</a:t>
+            </a:r>
+            <a:r>
+              <a:rPr lang="zh-CN" altLang="en-US" dirty="0">
+                <a:solidFill>
+                  <a:schemeClr val="bg1"/>
+                </a:solidFill>
+              </a:rPr>
+              <a:t>、资源开销和隐私保护上的不足。</a:t>
+            </a:r>
+          </a:p>
+          <a:p>
+            <a:r>
+              <a:rPr lang="zh-CN" altLang="en-US" dirty="0">
+                <a:solidFill>
+                  <a:schemeClr val="bg1"/>
+                </a:solidFill>
+              </a:rPr>
+              <a:t>● 云计算难以保证实时性要求。云</a:t>
+            </a:r>
+            <a:r>
+              <a:rPr lang="zh-CN" altLang="en-US" dirty="0" smtClean="0">
+                <a:solidFill>
+                  <a:schemeClr val="bg1"/>
+                </a:solidFill>
+              </a:rPr>
+              <a:t>计算 </a:t>
+            </a:r>
+            <a:r>
+              <a:rPr lang="zh-CN" altLang="en-US" dirty="0">
+                <a:solidFill>
+                  <a:schemeClr val="bg1"/>
+                </a:solidFill>
+              </a:rPr>
+              <a:t>模 型将全 部 数 据上传至云 计算中心</a:t>
+            </a:r>
+            <a:r>
+              <a:rPr lang="zh-CN" altLang="en-US" dirty="0" smtClean="0">
+                <a:solidFill>
+                  <a:schemeClr val="bg1"/>
+                </a:solidFill>
+              </a:rPr>
+              <a:t>进行</a:t>
+            </a:r>
+            <a:r>
+              <a:rPr lang="zh-CN" altLang="en-US" dirty="0">
+                <a:solidFill>
+                  <a:schemeClr val="bg1"/>
+                </a:solidFill>
+              </a:rPr>
+              <a:t>处理，其处理速度受到网络带宽、中</a:t>
+            </a:r>
+            <a:r>
+              <a:rPr lang="zh-CN" altLang="en-US" dirty="0" smtClean="0">
+                <a:solidFill>
+                  <a:schemeClr val="bg1"/>
+                </a:solidFill>
+              </a:rPr>
+              <a:t>心计 </a:t>
+            </a:r>
+            <a:r>
+              <a:rPr lang="zh-CN" altLang="en-US" dirty="0">
+                <a:solidFill>
+                  <a:schemeClr val="bg1"/>
+                </a:solidFill>
+              </a:rPr>
+              <a:t>算 能 力 、总计 算任 务 量 等多 因 素 的 </a:t>
+            </a:r>
+            <a:r>
+              <a:rPr lang="zh-CN" altLang="en-US" dirty="0" smtClean="0">
+                <a:solidFill>
+                  <a:schemeClr val="bg1"/>
+                </a:solidFill>
+              </a:rPr>
+              <a:t>影响 </a:t>
+            </a:r>
+            <a:r>
+              <a:rPr lang="en-US" altLang="zh-CN" dirty="0">
+                <a:solidFill>
+                  <a:schemeClr val="bg1"/>
+                </a:solidFill>
+              </a:rPr>
+              <a:t>[ 2]</a:t>
+            </a:r>
+            <a:r>
+              <a:rPr lang="zh-CN" altLang="en-US" dirty="0">
+                <a:solidFill>
+                  <a:schemeClr val="bg1"/>
+                </a:solidFill>
+              </a:rPr>
+              <a:t>，且请求至响应的链 路 较长，各 个</a:t>
+            </a:r>
+            <a:r>
+              <a:rPr lang="zh-CN" altLang="en-US" dirty="0" smtClean="0">
+                <a:solidFill>
+                  <a:schemeClr val="bg1"/>
+                </a:solidFill>
+              </a:rPr>
+              <a:t>环节</a:t>
+            </a:r>
+            <a:r>
+              <a:rPr lang="zh-CN" altLang="en-US" dirty="0">
+                <a:solidFill>
+                  <a:schemeClr val="bg1"/>
+                </a:solidFill>
+              </a:rPr>
+              <a:t>的</a:t>
+            </a:r>
+            <a:r>
+              <a:rPr lang="zh-CN" altLang="en-US" dirty="0" smtClean="0">
+                <a:solidFill>
+                  <a:schemeClr val="bg1"/>
+                </a:solidFill>
+              </a:rPr>
+              <a:t>时延累计</a:t>
+            </a:r>
+            <a:r>
+              <a:rPr lang="zh-CN" altLang="en-US" dirty="0">
+                <a:solidFill>
+                  <a:schemeClr val="bg1"/>
+                </a:solidFill>
+              </a:rPr>
+              <a:t>可能 造 成 无 法 接受的 处 </a:t>
+            </a:r>
+            <a:r>
+              <a:rPr lang="zh-CN" altLang="en-US" dirty="0" smtClean="0">
+                <a:solidFill>
+                  <a:schemeClr val="bg1"/>
+                </a:solidFill>
+              </a:rPr>
+              <a:t>理时延</a:t>
+            </a:r>
+            <a:r>
+              <a:rPr lang="zh-CN" altLang="en-US" dirty="0">
+                <a:solidFill>
+                  <a:schemeClr val="bg1"/>
+                </a:solidFill>
+              </a:rPr>
+              <a:t>。</a:t>
+            </a:r>
+          </a:p>
+          <a:p>
+            <a:r>
+              <a:rPr lang="zh-CN" altLang="en-US" dirty="0">
+                <a:solidFill>
+                  <a:schemeClr val="bg1"/>
+                </a:solidFill>
+              </a:rPr>
+              <a:t>● 云计算对网络环 境过 度依 赖 </a:t>
+            </a:r>
+            <a:r>
+              <a:rPr lang="en-US" altLang="zh-CN" dirty="0">
+                <a:solidFill>
+                  <a:schemeClr val="bg1"/>
+                </a:solidFill>
+              </a:rPr>
+              <a:t>[ 2 -3]</a:t>
+            </a:r>
+            <a:r>
+              <a:rPr lang="zh-CN" altLang="en-US" dirty="0" smtClean="0">
+                <a:solidFill>
+                  <a:schemeClr val="bg1"/>
+                </a:solidFill>
+              </a:rPr>
+              <a:t>。尽管</a:t>
+            </a:r>
+            <a:r>
+              <a:rPr lang="zh-CN" altLang="en-US" dirty="0">
+                <a:solidFill>
+                  <a:schemeClr val="bg1"/>
+                </a:solidFill>
+              </a:rPr>
+              <a:t>我国</a:t>
+            </a:r>
+            <a:r>
+              <a:rPr lang="en-US" altLang="zh-CN" dirty="0">
+                <a:solidFill>
+                  <a:schemeClr val="bg1"/>
+                </a:solidFill>
+              </a:rPr>
+              <a:t>4 G</a:t>
+            </a:r>
+            <a:r>
+              <a:rPr lang="zh-CN" altLang="en-US" dirty="0">
+                <a:solidFill>
+                  <a:schemeClr val="bg1"/>
+                </a:solidFill>
+              </a:rPr>
+              <a:t>网络覆盖率已经超过</a:t>
+            </a:r>
+            <a:r>
+              <a:rPr lang="en-US" altLang="zh-CN" dirty="0">
+                <a:solidFill>
+                  <a:schemeClr val="bg1"/>
+                </a:solidFill>
+              </a:rPr>
+              <a:t>95%</a:t>
+            </a:r>
+            <a:r>
+              <a:rPr lang="zh-CN" altLang="en-US" dirty="0" smtClean="0">
+                <a:solidFill>
+                  <a:schemeClr val="bg1"/>
+                </a:solidFill>
+              </a:rPr>
+              <a:t>，但</a:t>
+            </a:r>
+            <a:r>
+              <a:rPr lang="zh-CN" altLang="en-US" dirty="0">
+                <a:solidFill>
+                  <a:schemeClr val="bg1"/>
+                </a:solidFill>
+              </a:rPr>
+              <a:t>仍存 在海岛、地下室等网络盲区，</a:t>
+            </a:r>
+            <a:r>
+              <a:rPr lang="zh-CN" altLang="en-US" dirty="0" smtClean="0">
+                <a:solidFill>
+                  <a:schemeClr val="bg1"/>
+                </a:solidFill>
+              </a:rPr>
+              <a:t>同时也</a:t>
+            </a:r>
+            <a:r>
+              <a:rPr lang="zh-CN" altLang="en-US" dirty="0">
+                <a:solidFill>
+                  <a:schemeClr val="bg1"/>
+                </a:solidFill>
+              </a:rPr>
+              <a:t>存 在山 谷、隧 道 等无 法 保 证 网 络质 </a:t>
+            </a:r>
+            <a:r>
+              <a:rPr lang="zh-CN" altLang="en-US" dirty="0" smtClean="0">
+                <a:solidFill>
+                  <a:schemeClr val="bg1"/>
+                </a:solidFill>
+              </a:rPr>
+              <a:t>量的</a:t>
+            </a:r>
+            <a:r>
+              <a:rPr lang="zh-CN" altLang="en-US" dirty="0">
+                <a:solidFill>
+                  <a:schemeClr val="bg1"/>
+                </a:solidFill>
+              </a:rPr>
+              <a:t>区 域 。由于 云 计 算依 赖 网 络 实 现 数 </a:t>
+            </a:r>
+            <a:r>
+              <a:rPr lang="zh-CN" altLang="en-US" dirty="0" smtClean="0">
+                <a:solidFill>
+                  <a:schemeClr val="bg1"/>
+                </a:solidFill>
+              </a:rPr>
+              <a:t>据的 </a:t>
+            </a:r>
+            <a:r>
+              <a:rPr lang="zh-CN" altLang="en-US" dirty="0">
+                <a:solidFill>
+                  <a:schemeClr val="bg1"/>
+                </a:solidFill>
+              </a:rPr>
+              <a:t>传 输 ，在 这 些 场 景中 其 难 以 提 供 可 </a:t>
+            </a:r>
+            <a:r>
+              <a:rPr lang="zh-CN" altLang="en-US" dirty="0" smtClean="0">
+                <a:solidFill>
+                  <a:schemeClr val="bg1"/>
+                </a:solidFill>
+              </a:rPr>
+              <a:t>靠的</a:t>
+            </a:r>
+            <a:r>
+              <a:rPr lang="zh-CN" altLang="en-US" dirty="0">
+                <a:solidFill>
+                  <a:schemeClr val="bg1"/>
+                </a:solidFill>
+              </a:rPr>
+              <a:t>服务。</a:t>
+            </a:r>
+          </a:p>
+          <a:p>
+            <a:r>
+              <a:rPr lang="zh-CN" altLang="en-US" dirty="0">
+                <a:solidFill>
+                  <a:schemeClr val="bg1"/>
+                </a:solidFill>
+              </a:rPr>
+              <a:t>● 云计算的资源开销较大。随着</a:t>
+            </a:r>
+            <a:r>
+              <a:rPr lang="zh-CN" altLang="en-US" dirty="0" smtClean="0">
+                <a:solidFill>
+                  <a:schemeClr val="bg1"/>
+                </a:solidFill>
+              </a:rPr>
+              <a:t>数据量</a:t>
+            </a:r>
+            <a:r>
+              <a:rPr lang="zh-CN" altLang="en-US" dirty="0">
+                <a:solidFill>
+                  <a:schemeClr val="bg1"/>
+                </a:solidFill>
+              </a:rPr>
+              <a:t>的攀升，数据传输带来的网络流量</a:t>
+            </a:r>
+            <a:r>
+              <a:rPr lang="zh-CN" altLang="en-US" dirty="0" smtClean="0">
+                <a:solidFill>
+                  <a:schemeClr val="bg1"/>
+                </a:solidFill>
+              </a:rPr>
+              <a:t>开销也</a:t>
+            </a:r>
+            <a:r>
+              <a:rPr lang="zh-CN" altLang="en-US" dirty="0">
+                <a:solidFill>
+                  <a:schemeClr val="bg1"/>
+                </a:solidFill>
+              </a:rPr>
+              <a:t>在逐渐升高，同时云计算中心的计算</a:t>
+            </a:r>
+            <a:r>
+              <a:rPr lang="zh-CN" altLang="en-US" dirty="0" smtClean="0">
+                <a:solidFill>
+                  <a:schemeClr val="bg1"/>
+                </a:solidFill>
+              </a:rPr>
+              <a:t>、存储</a:t>
+            </a:r>
+            <a:r>
+              <a:rPr lang="zh-CN" altLang="en-US" dirty="0">
+                <a:solidFill>
+                  <a:schemeClr val="bg1"/>
+                </a:solidFill>
+              </a:rPr>
+              <a:t>功能带来了极高的能耗 </a:t>
+            </a:r>
+            <a:r>
+              <a:rPr lang="en-US" altLang="zh-CN" dirty="0">
+                <a:solidFill>
+                  <a:schemeClr val="bg1"/>
+                </a:solidFill>
+              </a:rPr>
+              <a:t>[4]</a:t>
+            </a:r>
+            <a:r>
+              <a:rPr lang="zh-CN" altLang="en-US" dirty="0">
+                <a:solidFill>
+                  <a:schemeClr val="bg1"/>
+                </a:solidFill>
+              </a:rPr>
+              <a:t>，而这些</a:t>
+            </a:r>
+            <a:r>
+              <a:rPr lang="zh-CN" altLang="en-US" dirty="0" smtClean="0">
+                <a:solidFill>
+                  <a:schemeClr val="bg1"/>
+                </a:solidFill>
+              </a:rPr>
+              <a:t>开销 </a:t>
+            </a:r>
+            <a:r>
+              <a:rPr lang="zh-CN" altLang="en-US" dirty="0">
+                <a:solidFill>
+                  <a:schemeClr val="bg1"/>
+                </a:solidFill>
+              </a:rPr>
+              <a:t>并 不是 完 全 必 要 的 。以 野 生 动 物 保 </a:t>
+            </a:r>
+            <a:r>
+              <a:rPr lang="zh-CN" altLang="en-US" dirty="0" smtClean="0">
+                <a:solidFill>
+                  <a:schemeClr val="bg1"/>
+                </a:solidFill>
+              </a:rPr>
+              <a:t>护区</a:t>
+            </a:r>
+            <a:r>
+              <a:rPr lang="zh-CN" altLang="en-US" dirty="0">
+                <a:solidFill>
+                  <a:schemeClr val="bg1"/>
+                </a:solidFill>
+              </a:rPr>
+              <a:t>中的 监 控 图 像 处 理 为 例 ，大 量 的 监 </a:t>
+            </a:r>
+            <a:r>
+              <a:rPr lang="zh-CN" altLang="en-US" dirty="0" smtClean="0">
+                <a:solidFill>
+                  <a:schemeClr val="bg1"/>
+                </a:solidFill>
+              </a:rPr>
+              <a:t>控图 </a:t>
+            </a:r>
+            <a:r>
+              <a:rPr lang="zh-CN" altLang="en-US" dirty="0">
+                <a:solidFill>
+                  <a:schemeClr val="bg1"/>
+                </a:solidFill>
+              </a:rPr>
+              <a:t>像中 并 未 包 含 任 何 动 物 ，然 而云 计 </a:t>
+            </a:r>
+            <a:r>
+              <a:rPr lang="zh-CN" altLang="en-US" dirty="0" smtClean="0">
+                <a:solidFill>
+                  <a:schemeClr val="bg1"/>
+                </a:solidFill>
+              </a:rPr>
+              <a:t>算模型</a:t>
+            </a:r>
+            <a:r>
+              <a:rPr lang="zh-CN" altLang="en-US" dirty="0">
+                <a:solidFill>
+                  <a:schemeClr val="bg1"/>
+                </a:solidFill>
+              </a:rPr>
+              <a:t>仍然会对每一张图片进行传输、</a:t>
+            </a:r>
+            <a:r>
+              <a:rPr lang="zh-CN" altLang="en-US" dirty="0" smtClean="0">
+                <a:solidFill>
+                  <a:schemeClr val="bg1"/>
+                </a:solidFill>
+              </a:rPr>
+              <a:t>处理和</a:t>
+            </a:r>
+            <a:r>
+              <a:rPr lang="zh-CN" altLang="en-US" dirty="0">
+                <a:solidFill>
+                  <a:schemeClr val="bg1"/>
+                </a:solidFill>
+              </a:rPr>
+              <a:t>存储</a:t>
+            </a:r>
+            <a:r>
+              <a:rPr lang="zh-CN" altLang="en-US" dirty="0" smtClean="0">
+                <a:solidFill>
+                  <a:schemeClr val="bg1"/>
+                </a:solidFill>
+              </a:rPr>
+              <a:t>。</a:t>
             </a:r>
             <a:endParaRPr lang="en-US" altLang="zh-CN" dirty="0" smtClean="0">
               <a:solidFill>
@@ -7482,63 +8489,21 @@
             </a:endParaRPr>
           </a:p>
           <a:p>
-            <a:pPr marL="285750" indent="-285750">
-              <a:buFont typeface="Wingdings" panose="05000000000000000000" pitchFamily="2" charset="2"/>
-              <a:buChar char="p"/>
-            </a:pPr>
-            <a:r>
-              <a:rPr lang="zh-CN" altLang="en-US" b="1" dirty="0" smtClean="0">
-                <a:solidFill>
-                  <a:schemeClr val="bg1"/>
-                </a:solidFill>
-              </a:rPr>
-              <a:t>前端</a:t>
-            </a:r>
-            <a:r>
-              <a:rPr lang="zh-CN" altLang="en-US" b="1" dirty="0">
-                <a:solidFill>
-                  <a:schemeClr val="bg1"/>
-                </a:solidFill>
-              </a:rPr>
-              <a:t>采集的数据量过大</a:t>
-            </a:r>
             <a:r>
               <a:rPr lang="zh-CN" altLang="en-US" dirty="0">
                 <a:solidFill>
                   <a:schemeClr val="bg1"/>
                 </a:solidFill>
               </a:rPr>
-              <a:t>，如果按照传统模式全部上传的话，成本高、效率低，典型的就是影像数据的采集和处理。</a:t>
-            </a:r>
-          </a:p>
-          <a:p>
-            <a:pPr marL="285750" indent="-285750">
-              <a:buFont typeface="Wingdings" panose="05000000000000000000" pitchFamily="2" charset="2"/>
-              <a:buChar char="p"/>
-            </a:pPr>
-            <a:r>
-              <a:rPr lang="zh-CN" altLang="en-US" b="1" dirty="0" smtClean="0">
-                <a:solidFill>
-                  <a:schemeClr val="bg1"/>
-                </a:solidFill>
-              </a:rPr>
-              <a:t>即时</a:t>
-            </a:r>
-            <a:r>
-              <a:rPr lang="zh-CN" altLang="en-US" b="1" dirty="0">
-                <a:solidFill>
-                  <a:schemeClr val="bg1"/>
-                </a:solidFill>
-              </a:rPr>
-              <a:t>交互</a:t>
-            </a:r>
-            <a:r>
-              <a:rPr lang="zh-CN" altLang="en-US" b="1" dirty="0">
-                <a:solidFill>
-                  <a:schemeClr val="bg1"/>
-                </a:solidFill>
-              </a:rPr>
-              <a:t>的场景，</a:t>
+              <a:t>云计算难以保证用户隐私</a:t>
+            </a:r>
+            <a:r>
+              <a:rPr lang="en-US" altLang="zh-CN" dirty="0">
+                <a:solidFill>
+                  <a:schemeClr val="bg1"/>
+                </a:solidFill>
+              </a:rPr>
+              <a:t>[5- 6]</a:t>
             </a:r>
             <a:r>
               <a:rPr lang="zh-CN" altLang="en-US" dirty="0">
@@ -7546,59 +8511,109 @@
                   <a:schemeClr val="bg1"/>
                 </a:solidFill>
               </a:rPr>
-              <a:t>如果数据全部上传，在中央节点处理再下发，往往传输成本高、时延长，典型的就是无人驾驶场景。</a:t>
-            </a:r>
-          </a:p>
-          <a:p>
-            <a:pPr marL="285750" indent="-285750">
-              <a:buFont typeface="Wingdings" panose="05000000000000000000" pitchFamily="2" charset="2"/>
-              <a:buChar char="p"/>
-            </a:pPr>
-            <a:r>
-              <a:rPr lang="zh-CN" altLang="en-US" b="1" dirty="0">
-                <a:solidFill>
-                  <a:schemeClr val="bg1"/>
-                </a:solidFill>
-              </a:rPr>
-              <a:t>第三类是对业务连续性要求比较高的业务</a:t>
-            </a:r>
+              <a:t>。云计</a:t>
+            </a:r>
+          </a:p>
+          <a:p>
             <a:r>
               <a:rPr lang="zh-CN" altLang="en-US" dirty="0">
                 <a:solidFill>
                   <a:schemeClr val="bg1"/>
                 </a:solidFill>
               </a:rPr>
-              <a:t>，如果遇到网络问题或者中央节点故障，即便是短时间的云服务中断都会带来严重影响。</a:t>
-            </a:r>
-          </a:p>
-          <a:p>
-            <a:pPr marL="285750" indent="-285750">
-              <a:buFont typeface="Wingdings" panose="05000000000000000000" pitchFamily="2" charset="2"/>
-              <a:buChar char="p"/>
-            </a:pPr>
-            <a:r>
-              <a:rPr lang="zh-CN" altLang="en-US" b="1" dirty="0" smtClean="0">
-                <a:solidFill>
-                  <a:schemeClr val="bg1"/>
-                </a:solidFill>
-              </a:rPr>
-              <a:t>安全</a:t>
-            </a:r>
-            <a:r>
-              <a:rPr lang="zh-CN" altLang="en-US" b="1" dirty="0">
-                <a:solidFill>
-                  <a:schemeClr val="bg1"/>
-                </a:solidFill>
-              </a:rPr>
-              <a:t>信任的问题。</a:t>
-            </a:r>
+              <a:t>算处理的数据可能是包含用户隐私的，例</a:t>
+            </a:r>
+          </a:p>
+          <a:p>
             <a:r>
               <a:rPr lang="zh-CN" altLang="en-US" dirty="0">
                 <a:solidFill>
                   <a:schemeClr val="bg1"/>
                 </a:solidFill>
               </a:rPr>
-              <a:t>有些客户不允许数据脱离自己的控制，更不能离开自己的系统，要让这样的系统上云，集中式的云计算中心就搞不定了。</a:t>
+              <a:t>如家庭内的监控摄像头、工厂内的生产数</a:t>
+            </a:r>
+          </a:p>
+          <a:p>
+            <a:r>
+              <a:rPr lang="zh-CN" altLang="en-US" dirty="0">
+                <a:solidFill>
+                  <a:schemeClr val="bg1"/>
+                </a:solidFill>
+              </a:rPr>
+              <a:t>据等，尽管存在用户隐私协议等约束，但服</a:t>
+            </a:r>
+          </a:p>
+          <a:p>
+            <a:r>
+              <a:rPr lang="zh-CN" altLang="en-US" dirty="0">
+                <a:solidFill>
+                  <a:schemeClr val="bg1"/>
+                </a:solidFill>
+              </a:rPr>
+              <a:t>务提供商对数据的实际使用情况是不透明</a:t>
+            </a:r>
+          </a:p>
+          <a:p>
+            <a:r>
+              <a:rPr lang="zh-CN" altLang="en-US" dirty="0">
+                <a:solidFill>
+                  <a:schemeClr val="bg1"/>
+                </a:solidFill>
+              </a:rPr>
+              <a:t>的，例如</a:t>
+            </a:r>
+            <a:r>
+              <a:rPr lang="en-US" altLang="zh-CN" dirty="0">
+                <a:solidFill>
+                  <a:schemeClr val="bg1"/>
+                </a:solidFill>
+              </a:rPr>
+              <a:t>2017</a:t>
+            </a:r>
+            <a:r>
+              <a:rPr lang="zh-CN" altLang="en-US" dirty="0">
+                <a:solidFill>
+                  <a:schemeClr val="bg1"/>
+                </a:solidFill>
+              </a:rPr>
+              <a:t>年</a:t>
+            </a:r>
+            <a:r>
+              <a:rPr lang="en-US" altLang="zh-CN" dirty="0">
+                <a:solidFill>
+                  <a:schemeClr val="bg1"/>
+                </a:solidFill>
+              </a:rPr>
+              <a:t>8</a:t>
+            </a:r>
+            <a:r>
+              <a:rPr lang="zh-CN" altLang="en-US" dirty="0">
+                <a:solidFill>
+                  <a:schemeClr val="bg1"/>
+                </a:solidFill>
+              </a:rPr>
+              <a:t>月，华为技术有限公司被</a:t>
+            </a:r>
+          </a:p>
+          <a:p>
+            <a:r>
+              <a:rPr lang="zh-CN" altLang="en-US" dirty="0">
+                <a:solidFill>
+                  <a:schemeClr val="bg1"/>
+                </a:solidFill>
+              </a:rPr>
+              <a:t>报道根据用户聊天内容自动加载地址、天</a:t>
+            </a:r>
+          </a:p>
+          <a:p>
+            <a:r>
+              <a:rPr lang="zh-CN" altLang="en-US" dirty="0">
+                <a:solidFill>
+                  <a:schemeClr val="bg1"/>
+                </a:solidFill>
+              </a:rPr>
+              <a:t>气等信息，侵犯了用户隐私。</a:t>
             </a:r>
           </a:p>
           <a:p>
@@ -8068,15 +9083,7 @@
                   <a:schemeClr val="bg1"/>
                 </a:solidFill>
               </a:rPr>
-              <a:t>基于云计算技术的演进，可实现网关内资源共享。</a:t>
-            </a:r>
-            <a:r>
-              <a:rPr lang="zh-CN" altLang="en-US" dirty="0">
-                <a:solidFill>
-                  <a:schemeClr val="bg1"/>
-                </a:solidFill>
-              </a:rPr>
-              <a:t> </a:t>
+              <a:t>基于云计算技术的演进，可实现网关内资源共享。 </a:t>
             </a:r>
             <a:br>
               <a:rPr lang="zh-CN" altLang="en-US" dirty="0">
